--- a/BaoCaoDADKTD.pptx
+++ b/BaoCaoDADKTD.pptx
@@ -5,7 +5,7 @@
     <p:sldMasterId id="2147483648" r:id="rId1"/>
   </p:sldMasterIdLst>
   <p:notesMasterIdLst>
-    <p:notesMasterId r:id="rId19"/>
+    <p:notesMasterId r:id="rId21"/>
   </p:notesMasterIdLst>
   <p:sldIdLst>
     <p:sldId id="272" r:id="rId2"/>
@@ -24,7 +24,9 @@
     <p:sldId id="271" r:id="rId15"/>
     <p:sldId id="274" r:id="rId16"/>
     <p:sldId id="275" r:id="rId17"/>
-    <p:sldId id="276" r:id="rId18"/>
+    <p:sldId id="277" r:id="rId18"/>
+    <p:sldId id="278" r:id="rId19"/>
+    <p:sldId id="276" r:id="rId20"/>
   </p:sldIdLst>
   <p:sldSz cx="12192000" cy="6858000"/>
   <p:notesSz cx="6858000" cy="9144000"/>
@@ -5855,8 +5857,8 @@
           </a:p>
         </p:txBody>
       </p:sp>
-      <mc:AlternateContent xmlns:mc="http://schemas.openxmlformats.org/markup-compatibility/2006">
-        <mc:Choice xmlns:a14="http://schemas.microsoft.com/office/drawing/2010/main" Requires="a14">
+      <mc:AlternateContent xmlns:mc="http://schemas.openxmlformats.org/markup-compatibility/2006" xmlns:a14="http://schemas.microsoft.com/office/drawing/2010/main">
+        <mc:Choice Requires="a14">
           <p:sp>
             <p:nvSpPr>
               <p:cNvPr id="8" name="TextBox 7">
@@ -6636,7 +6638,7 @@
             </p:txBody>
           </p:sp>
         </mc:Choice>
-        <mc:Fallback>
+        <mc:Fallback xmlns="">
           <p:sp>
             <p:nvSpPr>
               <p:cNvPr id="8" name="TextBox 7">
@@ -6681,8 +6683,8 @@
           </p:sp>
         </mc:Fallback>
       </mc:AlternateContent>
-      <mc:AlternateContent xmlns:mc="http://schemas.openxmlformats.org/markup-compatibility/2006">
-        <mc:Choice xmlns:a14="http://schemas.microsoft.com/office/drawing/2010/main" Requires="a14">
+      <mc:AlternateContent xmlns:mc="http://schemas.openxmlformats.org/markup-compatibility/2006" xmlns:a14="http://schemas.microsoft.com/office/drawing/2010/main">
+        <mc:Choice Requires="a14">
           <p:sp>
             <p:nvSpPr>
               <p:cNvPr id="12" name="TextBox 11">
@@ -7641,7 +7643,7 @@
             </p:txBody>
           </p:sp>
         </mc:Choice>
-        <mc:Fallback>
+        <mc:Fallback xmlns="">
           <p:sp>
             <p:nvSpPr>
               <p:cNvPr id="12" name="TextBox 11">
@@ -12292,8 +12294,8 @@
           </a:prstGeom>
         </p:spPr>
       </p:pic>
-      <mc:AlternateContent xmlns:mc="http://schemas.openxmlformats.org/markup-compatibility/2006">
-        <mc:Choice xmlns:a14="http://schemas.microsoft.com/office/drawing/2010/main" Requires="a14">
+      <mc:AlternateContent xmlns:mc="http://schemas.openxmlformats.org/markup-compatibility/2006" xmlns:a14="http://schemas.microsoft.com/office/drawing/2010/main">
+        <mc:Choice Requires="a14">
           <p:sp>
             <p:nvSpPr>
               <p:cNvPr id="12" name="TextBox 11">
@@ -12426,7 +12428,7 @@
             </p:txBody>
           </p:sp>
         </mc:Choice>
-        <mc:Fallback>
+        <mc:Fallback xmlns="">
           <p:sp>
             <p:nvSpPr>
               <p:cNvPr id="12" name="TextBox 11">
@@ -12668,8 +12670,8 @@
             <a:chExt cx="11346725" cy="3542779"/>
           </a:xfrm>
         </p:grpSpPr>
-        <mc:AlternateContent xmlns:mc="http://schemas.openxmlformats.org/markup-compatibility/2006">
-          <mc:Choice xmlns:a14="http://schemas.microsoft.com/office/drawing/2010/main" Requires="a14">
+        <mc:AlternateContent xmlns:mc="http://schemas.openxmlformats.org/markup-compatibility/2006" xmlns:a14="http://schemas.microsoft.com/office/drawing/2010/main">
+          <mc:Choice Requires="a14">
             <p:sp>
               <p:nvSpPr>
                 <p:cNvPr id="6" name="Rectangle 5">
@@ -12985,7 +12987,7 @@
               </p:txBody>
             </p:sp>
           </mc:Choice>
-          <mc:Fallback>
+          <mc:Fallback xmlns="">
             <p:sp>
               <p:nvSpPr>
                 <p:cNvPr id="6" name="Rectangle 5">
@@ -13231,6 +13233,166 @@
           </a:p>
         </p:txBody>
       </p:sp>
+      <p:sp>
+        <p:nvSpPr>
+          <p:cNvPr id="3" name="TextBox 2">
+            <a:extLst>
+              <a:ext uri="{FF2B5EF4-FFF2-40B4-BE49-F238E27FC236}">
+                <a16:creationId xmlns:a16="http://schemas.microsoft.com/office/drawing/2014/main" id="{86AF1E95-A700-8FC0-FBB8-6B032684DB97}"/>
+              </a:ext>
+            </a:extLst>
+          </p:cNvPr>
+          <p:cNvSpPr txBox="1"/>
+          <p:nvPr/>
+        </p:nvSpPr>
+        <p:spPr>
+          <a:xfrm>
+            <a:off x="1535628" y="1354762"/>
+            <a:ext cx="3177473" cy="523220"/>
+          </a:xfrm>
+          <a:prstGeom prst="rect">
+            <a:avLst/>
+          </a:prstGeom>
+          <a:noFill/>
+        </p:spPr>
+        <p:txBody>
+          <a:bodyPr wrap="none" rtlCol="0">
+            <a:spAutoFit/>
+          </a:bodyPr>
+          <a:lstStyle/>
+          <a:p>
+            <a:r>
+              <a:rPr lang="en-US" sz="2800" b="1">
+                <a:latin typeface="Arial" panose="020B0604020202020204" pitchFamily="34" charset="0"/>
+                <a:cs typeface="Arial" panose="020B0604020202020204" pitchFamily="34" charset="0"/>
+              </a:rPr>
+              <a:t>Kết quả đạt được</a:t>
+            </a:r>
+          </a:p>
+        </p:txBody>
+      </p:sp>
+      <p:sp>
+        <p:nvSpPr>
+          <p:cNvPr id="5" name="TextBox 4">
+            <a:extLst>
+              <a:ext uri="{FF2B5EF4-FFF2-40B4-BE49-F238E27FC236}">
+                <a16:creationId xmlns:a16="http://schemas.microsoft.com/office/drawing/2014/main" id="{B4DD45A6-5474-48FC-1F92-83F319F0366E}"/>
+              </a:ext>
+            </a:extLst>
+          </p:cNvPr>
+          <p:cNvSpPr txBox="1"/>
+          <p:nvPr/>
+        </p:nvSpPr>
+        <p:spPr>
+          <a:xfrm>
+            <a:off x="2413819" y="2365151"/>
+            <a:ext cx="7364361" cy="2127698"/>
+          </a:xfrm>
+          <a:prstGeom prst="rect">
+            <a:avLst/>
+          </a:prstGeom>
+          <a:noFill/>
+        </p:spPr>
+        <p:txBody>
+          <a:bodyPr wrap="square">
+            <a:spAutoFit/>
+          </a:bodyPr>
+          <a:lstStyle/>
+          <a:p>
+            <a:pPr marL="285750" lvl="0" indent="-285750" algn="just">
+              <a:lnSpc>
+                <a:spcPct val="150000"/>
+              </a:lnSpc>
+              <a:buFont typeface="Wingdings" panose="05000000000000000000" pitchFamily="2" charset="2"/>
+              <a:buChar char="Ø"/>
+              <a:tabLst>
+                <a:tab pos="533400" algn="l"/>
+              </a:tabLst>
+            </a:pPr>
+            <a:r>
+              <a:rPr lang="vi-VN" sz="1800">
+                <a:effectLst/>
+                <a:latin typeface="Times New Roman" panose="02020603050405020304" pitchFamily="18" charset="0"/>
+                <a:ea typeface="Times New Roman" panose="02020603050405020304" pitchFamily="18" charset="0"/>
+              </a:rPr>
+              <a:t>Thiết kế hoàn chỉnh và hoàn thiện được mô hình xe hai bánh tự cân bằng.</a:t>
+            </a:r>
+            <a:endParaRPr lang="en-US" sz="1400">
+              <a:effectLst/>
+              <a:latin typeface="Times New Roman" panose="02020603050405020304" pitchFamily="18" charset="0"/>
+              <a:ea typeface="Times New Roman" panose="02020603050405020304" pitchFamily="18" charset="0"/>
+            </a:endParaRPr>
+          </a:p>
+          <a:p>
+            <a:pPr marL="285750" lvl="0" indent="-285750" algn="just">
+              <a:lnSpc>
+                <a:spcPct val="150000"/>
+              </a:lnSpc>
+              <a:buFont typeface="Wingdings" panose="05000000000000000000" pitchFamily="2" charset="2"/>
+              <a:buChar char="Ø"/>
+              <a:tabLst>
+                <a:tab pos="533400" algn="l"/>
+              </a:tabLst>
+            </a:pPr>
+            <a:r>
+              <a:rPr lang="vi-VN" sz="1800">
+                <a:effectLst/>
+                <a:latin typeface="Times New Roman" panose="02020603050405020304" pitchFamily="18" charset="0"/>
+                <a:ea typeface="Times New Roman" panose="02020603050405020304" pitchFamily="18" charset="0"/>
+              </a:rPr>
+              <a:t>Tính toán mô hình toán học, hàm trạng thái cho hệ thống.</a:t>
+            </a:r>
+            <a:endParaRPr lang="en-US" sz="1400">
+              <a:effectLst/>
+              <a:latin typeface="Times New Roman" panose="02020603050405020304" pitchFamily="18" charset="0"/>
+              <a:ea typeface="Times New Roman" panose="02020603050405020304" pitchFamily="18" charset="0"/>
+            </a:endParaRPr>
+          </a:p>
+          <a:p>
+            <a:pPr marL="285750" lvl="0" indent="-285750" algn="just">
+              <a:lnSpc>
+                <a:spcPct val="150000"/>
+              </a:lnSpc>
+              <a:buFont typeface="Wingdings" panose="05000000000000000000" pitchFamily="2" charset="2"/>
+              <a:buChar char="Ø"/>
+              <a:tabLst>
+                <a:tab pos="533400" algn="l"/>
+              </a:tabLst>
+            </a:pPr>
+            <a:r>
+              <a:rPr lang="vi-VN" sz="1800">
+                <a:effectLst/>
+                <a:latin typeface="Times New Roman" panose="02020603050405020304" pitchFamily="18" charset="0"/>
+                <a:ea typeface="Times New Roman" panose="02020603050405020304" pitchFamily="18" charset="0"/>
+              </a:rPr>
+              <a:t>Thực hiện thành công mô phỏng hệ thống trên Matlab Simulink.</a:t>
+            </a:r>
+            <a:endParaRPr lang="en-US" sz="1400">
+              <a:effectLst/>
+              <a:latin typeface="Times New Roman" panose="02020603050405020304" pitchFamily="18" charset="0"/>
+              <a:ea typeface="Times New Roman" panose="02020603050405020304" pitchFamily="18" charset="0"/>
+            </a:endParaRPr>
+          </a:p>
+          <a:p>
+            <a:pPr marL="285750" indent="-285750" algn="just">
+              <a:lnSpc>
+                <a:spcPct val="150000"/>
+              </a:lnSpc>
+              <a:buFont typeface="Wingdings" panose="05000000000000000000" pitchFamily="2" charset="2"/>
+              <a:buChar char="Ø"/>
+            </a:pPr>
+            <a:r>
+              <a:rPr lang="vi-VN" sz="1800">
+                <a:effectLst/>
+                <a:latin typeface="Times New Roman" panose="02020603050405020304" pitchFamily="18" charset="0"/>
+                <a:ea typeface="Times New Roman" panose="02020603050405020304" pitchFamily="18" charset="0"/>
+              </a:rPr>
+              <a:t>Hoàn thiện lập trình cho xe hai bánh tự cân bằng trên vi điều khiển STM32.</a:t>
+            </a:r>
+            <a:endParaRPr lang="en-US"/>
+          </a:p>
+        </p:txBody>
+      </p:sp>
     </p:spTree>
     <p:extLst>
       <p:ext uri="{BB962C8B-B14F-4D97-AF65-F5344CB8AC3E}">
@@ -13245,6 +13407,433 @@
 </file>
 
 <file path=ppt/slides/slide17.xml><?xml version="1.0" encoding="utf-8"?>
+<p:sld xmlns:a="http://schemas.openxmlformats.org/drawingml/2006/main" xmlns:r="http://schemas.openxmlformats.org/officeDocument/2006/relationships" xmlns:p="http://schemas.openxmlformats.org/presentationml/2006/main">
+  <p:cSld>
+    <p:spTree>
+      <p:nvGrpSpPr>
+        <p:cNvPr id="1" name=""/>
+        <p:cNvGrpSpPr/>
+        <p:nvPr/>
+      </p:nvGrpSpPr>
+      <p:grpSpPr>
+        <a:xfrm>
+          <a:off x="0" y="0"/>
+          <a:ext cx="0" cy="0"/>
+          <a:chOff x="0" y="0"/>
+          <a:chExt cx="0" cy="0"/>
+        </a:xfrm>
+      </p:grpSpPr>
+      <p:sp>
+        <p:nvSpPr>
+          <p:cNvPr id="2" name="Slide Number Placeholder 1">
+            <a:extLst>
+              <a:ext uri="{FF2B5EF4-FFF2-40B4-BE49-F238E27FC236}">
+                <a16:creationId xmlns:a16="http://schemas.microsoft.com/office/drawing/2014/main" id="{7BE8B4EF-3194-2958-D3D6-A5D3F6D72ACF}"/>
+              </a:ext>
+            </a:extLst>
+          </p:cNvPr>
+          <p:cNvSpPr>
+            <a:spLocks noGrp="1"/>
+          </p:cNvSpPr>
+          <p:nvPr>
+            <p:ph type="sldNum" sz="quarter" idx="12"/>
+          </p:nvPr>
+        </p:nvSpPr>
+        <p:spPr/>
+        <p:txBody>
+          <a:bodyPr/>
+          <a:lstStyle/>
+          <a:p>
+            <a:fld id="{442C1155-F164-44A2-862A-E50421BF24BC}" type="slidenum">
+              <a:rPr lang="en-US" smtClean="0"/>
+              <a:t>17</a:t>
+            </a:fld>
+            <a:endParaRPr lang="en-US"/>
+          </a:p>
+        </p:txBody>
+      </p:sp>
+      <p:sp>
+        <p:nvSpPr>
+          <p:cNvPr id="3" name="TextBox 2">
+            <a:extLst>
+              <a:ext uri="{FF2B5EF4-FFF2-40B4-BE49-F238E27FC236}">
+                <a16:creationId xmlns:a16="http://schemas.microsoft.com/office/drawing/2014/main" id="{86AF1E95-A700-8FC0-FBB8-6B032684DB97}"/>
+              </a:ext>
+            </a:extLst>
+          </p:cNvPr>
+          <p:cNvSpPr txBox="1"/>
+          <p:nvPr/>
+        </p:nvSpPr>
+        <p:spPr>
+          <a:xfrm>
+            <a:off x="1535628" y="1354762"/>
+            <a:ext cx="1584088" cy="523220"/>
+          </a:xfrm>
+          <a:prstGeom prst="rect">
+            <a:avLst/>
+          </a:prstGeom>
+          <a:noFill/>
+        </p:spPr>
+        <p:txBody>
+          <a:bodyPr wrap="none" rtlCol="0">
+            <a:spAutoFit/>
+          </a:bodyPr>
+          <a:lstStyle/>
+          <a:p>
+            <a:r>
+              <a:rPr lang="en-US" sz="2800" b="1">
+                <a:latin typeface="Arial" panose="020B0604020202020204" pitchFamily="34" charset="0"/>
+                <a:cs typeface="Arial" panose="020B0604020202020204" pitchFamily="34" charset="0"/>
+              </a:rPr>
+              <a:t>Hạn chế</a:t>
+            </a:r>
+          </a:p>
+        </p:txBody>
+      </p:sp>
+      <p:sp>
+        <p:nvSpPr>
+          <p:cNvPr id="6" name="TextBox 5">
+            <a:extLst>
+              <a:ext uri="{FF2B5EF4-FFF2-40B4-BE49-F238E27FC236}">
+                <a16:creationId xmlns:a16="http://schemas.microsoft.com/office/drawing/2014/main" id="{9BE50C19-2FE8-7CC4-09CF-5125706AC0BE}"/>
+              </a:ext>
+            </a:extLst>
+          </p:cNvPr>
+          <p:cNvSpPr txBox="1"/>
+          <p:nvPr/>
+        </p:nvSpPr>
+        <p:spPr>
+          <a:xfrm>
+            <a:off x="2241755" y="2161217"/>
+            <a:ext cx="7708490" cy="2535566"/>
+          </a:xfrm>
+          <a:prstGeom prst="rect">
+            <a:avLst/>
+          </a:prstGeom>
+          <a:noFill/>
+        </p:spPr>
+        <p:txBody>
+          <a:bodyPr wrap="square">
+            <a:spAutoFit/>
+          </a:bodyPr>
+          <a:lstStyle/>
+          <a:p>
+            <a:pPr marL="342900" lvl="0" indent="-342900" algn="just">
+              <a:lnSpc>
+                <a:spcPct val="150000"/>
+              </a:lnSpc>
+              <a:buFont typeface="Wingdings" panose="05000000000000000000" pitchFamily="2" charset="2"/>
+              <a:buChar char=""/>
+              <a:tabLst>
+                <a:tab pos="533400" algn="l"/>
+              </a:tabLst>
+            </a:pPr>
+            <a:r>
+              <a:rPr lang="vi-VN" sz="1800">
+                <a:effectLst/>
+                <a:latin typeface="Times New Roman" panose="02020603050405020304" pitchFamily="18" charset="0"/>
+                <a:ea typeface="Times New Roman" panose="02020603050405020304" pitchFamily="18" charset="0"/>
+              </a:rPr>
+              <a:t>Trong quá trình chạy, xe giữ cân bằng khá tốt, tuy nhiên vẫn còn gặp phải tình trạng vọt lố của góc nghiêng.</a:t>
+            </a:r>
+            <a:endParaRPr lang="en-US" sz="1400">
+              <a:effectLst/>
+              <a:latin typeface="Times New Roman" panose="02020603050405020304" pitchFamily="18" charset="0"/>
+              <a:ea typeface="Times New Roman" panose="02020603050405020304" pitchFamily="18" charset="0"/>
+            </a:endParaRPr>
+          </a:p>
+          <a:p>
+            <a:pPr marL="342900" lvl="0" indent="-342900" algn="just">
+              <a:lnSpc>
+                <a:spcPct val="150000"/>
+              </a:lnSpc>
+              <a:buFont typeface="Wingdings" panose="05000000000000000000" pitchFamily="2" charset="2"/>
+              <a:buChar char=""/>
+              <a:tabLst>
+                <a:tab pos="533400" algn="l"/>
+              </a:tabLst>
+            </a:pPr>
+            <a:r>
+              <a:rPr lang="vi-VN" sz="1800">
+                <a:effectLst/>
+                <a:latin typeface="Times New Roman" panose="02020603050405020304" pitchFamily="18" charset="0"/>
+                <a:ea typeface="Times New Roman" panose="02020603050405020304" pitchFamily="18" charset="0"/>
+              </a:rPr>
+              <a:t>Khả năng đáp ứng khi tác động nhiễu còn yếu.</a:t>
+            </a:r>
+            <a:endParaRPr lang="en-US" sz="1400">
+              <a:effectLst/>
+              <a:latin typeface="Times New Roman" panose="02020603050405020304" pitchFamily="18" charset="0"/>
+              <a:ea typeface="Times New Roman" panose="02020603050405020304" pitchFamily="18" charset="0"/>
+            </a:endParaRPr>
+          </a:p>
+          <a:p>
+            <a:pPr marL="342900" lvl="0" indent="-342900" algn="just">
+              <a:lnSpc>
+                <a:spcPct val="150000"/>
+              </a:lnSpc>
+              <a:buFont typeface="Wingdings" panose="05000000000000000000" pitchFamily="2" charset="2"/>
+              <a:buChar char=""/>
+              <a:tabLst>
+                <a:tab pos="533400" algn="l"/>
+              </a:tabLst>
+            </a:pPr>
+            <a:r>
+              <a:rPr lang="vi-VN" sz="1800">
+                <a:effectLst/>
+                <a:latin typeface="Times New Roman" panose="02020603050405020304" pitchFamily="18" charset="0"/>
+                <a:ea typeface="Times New Roman" panose="02020603050405020304" pitchFamily="18" charset="0"/>
+              </a:rPr>
+              <a:t>Khó giữ cân bằng trên những địa hình phức tạp như: gồ ghề, lượn sóng, nghiêng,…</a:t>
+            </a:r>
+            <a:endParaRPr lang="en-US" sz="1400">
+              <a:effectLst/>
+              <a:latin typeface="Times New Roman" panose="02020603050405020304" pitchFamily="18" charset="0"/>
+              <a:ea typeface="Times New Roman" panose="02020603050405020304" pitchFamily="18" charset="0"/>
+            </a:endParaRPr>
+          </a:p>
+          <a:p>
+            <a:pPr marL="342900" lvl="0" indent="-342900" algn="just">
+              <a:lnSpc>
+                <a:spcPct val="150000"/>
+              </a:lnSpc>
+              <a:buFont typeface="Wingdings" panose="05000000000000000000" pitchFamily="2" charset="2"/>
+              <a:buChar char=""/>
+              <a:tabLst>
+                <a:tab pos="533400" algn="l"/>
+              </a:tabLst>
+            </a:pPr>
+            <a:r>
+              <a:rPr lang="vi-VN" sz="1800">
+                <a:effectLst/>
+                <a:latin typeface="Times New Roman" panose="02020603050405020304" pitchFamily="18" charset="0"/>
+                <a:ea typeface="Times New Roman" panose="02020603050405020304" pitchFamily="18" charset="0"/>
+              </a:rPr>
+              <a:t>Xe chưa có khả năng tự di chuyển, tự đứng dậy (swing-up).</a:t>
+            </a:r>
+            <a:endParaRPr lang="en-US" sz="1400">
+              <a:effectLst/>
+              <a:latin typeface="Times New Roman" panose="02020603050405020304" pitchFamily="18" charset="0"/>
+              <a:ea typeface="Times New Roman" panose="02020603050405020304" pitchFamily="18" charset="0"/>
+            </a:endParaRPr>
+          </a:p>
+        </p:txBody>
+      </p:sp>
+    </p:spTree>
+    <p:extLst>
+      <p:ext uri="{BB962C8B-B14F-4D97-AF65-F5344CB8AC3E}">
+        <p14:creationId xmlns:p14="http://schemas.microsoft.com/office/powerpoint/2010/main" val="4187424050"/>
+      </p:ext>
+    </p:extLst>
+  </p:cSld>
+  <p:clrMapOvr>
+    <a:masterClrMapping/>
+  </p:clrMapOvr>
+</p:sld>
+</file>
+
+<file path=ppt/slides/slide18.xml><?xml version="1.0" encoding="utf-8"?>
+<p:sld xmlns:a="http://schemas.openxmlformats.org/drawingml/2006/main" xmlns:r="http://schemas.openxmlformats.org/officeDocument/2006/relationships" xmlns:p="http://schemas.openxmlformats.org/presentationml/2006/main">
+  <p:cSld>
+    <p:spTree>
+      <p:nvGrpSpPr>
+        <p:cNvPr id="1" name=""/>
+        <p:cNvGrpSpPr/>
+        <p:nvPr/>
+      </p:nvGrpSpPr>
+      <p:grpSpPr>
+        <a:xfrm>
+          <a:off x="0" y="0"/>
+          <a:ext cx="0" cy="0"/>
+          <a:chOff x="0" y="0"/>
+          <a:chExt cx="0" cy="0"/>
+        </a:xfrm>
+      </p:grpSpPr>
+      <p:sp>
+        <p:nvSpPr>
+          <p:cNvPr id="2" name="Slide Number Placeholder 1">
+            <a:extLst>
+              <a:ext uri="{FF2B5EF4-FFF2-40B4-BE49-F238E27FC236}">
+                <a16:creationId xmlns:a16="http://schemas.microsoft.com/office/drawing/2014/main" id="{7BE8B4EF-3194-2958-D3D6-A5D3F6D72ACF}"/>
+              </a:ext>
+            </a:extLst>
+          </p:cNvPr>
+          <p:cNvSpPr>
+            <a:spLocks noGrp="1"/>
+          </p:cNvSpPr>
+          <p:nvPr>
+            <p:ph type="sldNum" sz="quarter" idx="12"/>
+          </p:nvPr>
+        </p:nvSpPr>
+        <p:spPr/>
+        <p:txBody>
+          <a:bodyPr/>
+          <a:lstStyle/>
+          <a:p>
+            <a:fld id="{442C1155-F164-44A2-862A-E50421BF24BC}" type="slidenum">
+              <a:rPr lang="en-US" smtClean="0"/>
+              <a:t>18</a:t>
+            </a:fld>
+            <a:endParaRPr lang="en-US"/>
+          </a:p>
+        </p:txBody>
+      </p:sp>
+      <p:sp>
+        <p:nvSpPr>
+          <p:cNvPr id="3" name="TextBox 2">
+            <a:extLst>
+              <a:ext uri="{FF2B5EF4-FFF2-40B4-BE49-F238E27FC236}">
+                <a16:creationId xmlns:a16="http://schemas.microsoft.com/office/drawing/2014/main" id="{86AF1E95-A700-8FC0-FBB8-6B032684DB97}"/>
+              </a:ext>
+            </a:extLst>
+          </p:cNvPr>
+          <p:cNvSpPr txBox="1"/>
+          <p:nvPr/>
+        </p:nvSpPr>
+        <p:spPr>
+          <a:xfrm>
+            <a:off x="1535628" y="1354762"/>
+            <a:ext cx="3135795" cy="523220"/>
+          </a:xfrm>
+          <a:prstGeom prst="rect">
+            <a:avLst/>
+          </a:prstGeom>
+          <a:noFill/>
+        </p:spPr>
+        <p:txBody>
+          <a:bodyPr wrap="none" rtlCol="0">
+            <a:spAutoFit/>
+          </a:bodyPr>
+          <a:lstStyle/>
+          <a:p>
+            <a:r>
+              <a:rPr lang="en-US" sz="2800" b="1">
+                <a:latin typeface="Arial" panose="020B0604020202020204" pitchFamily="34" charset="0"/>
+                <a:cs typeface="Arial" panose="020B0604020202020204" pitchFamily="34" charset="0"/>
+              </a:rPr>
+              <a:t>Hướng phát triển</a:t>
+            </a:r>
+          </a:p>
+        </p:txBody>
+      </p:sp>
+      <p:sp>
+        <p:nvSpPr>
+          <p:cNvPr id="5" name="TextBox 4">
+            <a:extLst>
+              <a:ext uri="{FF2B5EF4-FFF2-40B4-BE49-F238E27FC236}">
+                <a16:creationId xmlns:a16="http://schemas.microsoft.com/office/drawing/2014/main" id="{ABA3AD48-7450-8635-A0F2-00F14B935C16}"/>
+              </a:ext>
+            </a:extLst>
+          </p:cNvPr>
+          <p:cNvSpPr txBox="1"/>
+          <p:nvPr/>
+        </p:nvSpPr>
+        <p:spPr>
+          <a:xfrm>
+            <a:off x="3008671" y="2368966"/>
+            <a:ext cx="6174658" cy="2120068"/>
+          </a:xfrm>
+          <a:prstGeom prst="rect">
+            <a:avLst/>
+          </a:prstGeom>
+          <a:noFill/>
+        </p:spPr>
+        <p:txBody>
+          <a:bodyPr wrap="square">
+            <a:spAutoFit/>
+          </a:bodyPr>
+          <a:lstStyle/>
+          <a:p>
+            <a:pPr marL="342900" lvl="0" indent="-342900" algn="just">
+              <a:lnSpc>
+                <a:spcPct val="150000"/>
+              </a:lnSpc>
+              <a:buFont typeface="Wingdings" panose="05000000000000000000" pitchFamily="2" charset="2"/>
+              <a:buChar char=""/>
+              <a:tabLst>
+                <a:tab pos="533400" algn="l"/>
+              </a:tabLst>
+            </a:pPr>
+            <a:r>
+              <a:rPr lang="vi-VN" sz="1800">
+                <a:effectLst/>
+                <a:latin typeface="Times New Roman" panose="02020603050405020304" pitchFamily="18" charset="0"/>
+                <a:ea typeface="Times New Roman" panose="02020603050405020304" pitchFamily="18" charset="0"/>
+              </a:rPr>
+              <a:t>Xây dựng khả năng tự hành và tự đứng dậy (swing-up).</a:t>
+            </a:r>
+            <a:endParaRPr lang="en-US" sz="1400">
+              <a:effectLst/>
+              <a:latin typeface="Times New Roman" panose="02020603050405020304" pitchFamily="18" charset="0"/>
+              <a:ea typeface="Times New Roman" panose="02020603050405020304" pitchFamily="18" charset="0"/>
+            </a:endParaRPr>
+          </a:p>
+          <a:p>
+            <a:pPr marL="342900" lvl="0" indent="-342900" algn="just">
+              <a:lnSpc>
+                <a:spcPct val="150000"/>
+              </a:lnSpc>
+              <a:buFont typeface="Wingdings" panose="05000000000000000000" pitchFamily="2" charset="2"/>
+              <a:buChar char=""/>
+              <a:tabLst>
+                <a:tab pos="533400" algn="l"/>
+              </a:tabLst>
+            </a:pPr>
+            <a:r>
+              <a:rPr lang="vi-VN" sz="1800">
+                <a:effectLst/>
+                <a:latin typeface="Times New Roman" panose="02020603050405020304" pitchFamily="18" charset="0"/>
+                <a:ea typeface="Times New Roman" panose="02020603050405020304" pitchFamily="18" charset="0"/>
+              </a:rPr>
+              <a:t>Thay đổi bánh trơn thành bánh đa hướng (mecanum) giúp xe di chuyển linh hoạt hơn.</a:t>
+            </a:r>
+            <a:endParaRPr lang="en-US" sz="1400">
+              <a:effectLst/>
+              <a:latin typeface="Times New Roman" panose="02020603050405020304" pitchFamily="18" charset="0"/>
+              <a:ea typeface="Times New Roman" panose="02020603050405020304" pitchFamily="18" charset="0"/>
+            </a:endParaRPr>
+          </a:p>
+          <a:p>
+            <a:pPr marL="342900" lvl="0" indent="-342900" algn="just">
+              <a:lnSpc>
+                <a:spcPct val="150000"/>
+              </a:lnSpc>
+              <a:buFont typeface="Wingdings" panose="05000000000000000000" pitchFamily="2" charset="2"/>
+              <a:buChar char=""/>
+              <a:tabLst>
+                <a:tab pos="533400" algn="l"/>
+              </a:tabLst>
+            </a:pPr>
+            <a:r>
+              <a:rPr lang="vi-VN" sz="1800">
+                <a:effectLst/>
+                <a:latin typeface="Times New Roman" panose="02020603050405020304" pitchFamily="18" charset="0"/>
+                <a:ea typeface="Times New Roman" panose="02020603050405020304" pitchFamily="18" charset="0"/>
+              </a:rPr>
+              <a:t>Xây dựng bộ điều khiển giúp xe đáp ứng cao hơn khi gặp tác động nhiễu và di chuyển được trên các mặt phẳng phức tạp.</a:t>
+            </a:r>
+            <a:endParaRPr lang="en-US" sz="1400">
+              <a:effectLst/>
+              <a:latin typeface="Times New Roman" panose="02020603050405020304" pitchFamily="18" charset="0"/>
+              <a:ea typeface="Times New Roman" panose="02020603050405020304" pitchFamily="18" charset="0"/>
+            </a:endParaRPr>
+          </a:p>
+        </p:txBody>
+      </p:sp>
+    </p:spTree>
+    <p:extLst>
+      <p:ext uri="{BB962C8B-B14F-4D97-AF65-F5344CB8AC3E}">
+        <p14:creationId xmlns:p14="http://schemas.microsoft.com/office/powerpoint/2010/main" val="1569149053"/>
+      </p:ext>
+    </p:extLst>
+  </p:cSld>
+  <p:clrMapOvr>
+    <a:masterClrMapping/>
+  </p:clrMapOvr>
+</p:sld>
+</file>
+
+<file path=ppt/slides/slide19.xml><?xml version="1.0" encoding="utf-8"?>
 <p:sld xmlns:a="http://schemas.openxmlformats.org/drawingml/2006/main" xmlns:r="http://schemas.openxmlformats.org/officeDocument/2006/relationships" xmlns:p="http://schemas.openxmlformats.org/presentationml/2006/main">
   <p:cSld>
     <p:spTree>
@@ -13284,7 +13873,7 @@
           <a:p>
             <a:fld id="{442C1155-F164-44A2-862A-E50421BF24BC}" type="slidenum">
               <a:rPr lang="en-US" smtClean="0"/>
-              <a:t>17</a:t>
+              <a:t>19</a:t>
             </a:fld>
             <a:endParaRPr lang="en-US"/>
           </a:p>
@@ -23883,8 +24472,8 @@
           <a:chExt cx="0" cy="0"/>
         </a:xfrm>
       </p:grpSpPr>
-      <mc:AlternateContent xmlns:mc="http://schemas.openxmlformats.org/markup-compatibility/2006">
-        <mc:Choice xmlns:a14="http://schemas.microsoft.com/office/drawing/2010/main" Requires="a14">
+      <mc:AlternateContent xmlns:mc="http://schemas.openxmlformats.org/markup-compatibility/2006" xmlns:a14="http://schemas.microsoft.com/office/drawing/2010/main">
+        <mc:Choice Requires="a14">
           <p:sp>
             <p:nvSpPr>
               <p:cNvPr id="3" name="TextBox 2">
@@ -24183,7 +24772,7 @@
             </p:txBody>
           </p:sp>
         </mc:Choice>
-        <mc:Fallback>
+        <mc:Fallback xmlns="">
           <p:sp>
             <p:nvSpPr>
               <p:cNvPr id="3" name="TextBox 2">
@@ -24257,8 +24846,8 @@
           </a:p>
         </p:txBody>
       </p:sp>
-      <mc:AlternateContent xmlns:mc="http://schemas.openxmlformats.org/markup-compatibility/2006">
-        <mc:Choice xmlns:a14="http://schemas.microsoft.com/office/drawing/2010/main" Requires="a14">
+      <mc:AlternateContent xmlns:mc="http://schemas.openxmlformats.org/markup-compatibility/2006" xmlns:a14="http://schemas.microsoft.com/office/drawing/2010/main">
+        <mc:Choice Requires="a14">
           <p:sp>
             <p:nvSpPr>
               <p:cNvPr id="4" name="TextBox 3">
@@ -25876,7 +26465,7 @@
             </p:txBody>
           </p:sp>
         </mc:Choice>
-        <mc:Fallback>
+        <mc:Fallback xmlns="">
           <p:sp>
             <p:nvSpPr>
               <p:cNvPr id="4" name="TextBox 3">
@@ -25921,8 +26510,8 @@
           </p:sp>
         </mc:Fallback>
       </mc:AlternateContent>
-      <mc:AlternateContent xmlns:mc="http://schemas.openxmlformats.org/markup-compatibility/2006">
-        <mc:Choice xmlns:a14="http://schemas.microsoft.com/office/drawing/2010/main" Requires="a14">
+      <mc:AlternateContent xmlns:mc="http://schemas.openxmlformats.org/markup-compatibility/2006" xmlns:a14="http://schemas.microsoft.com/office/drawing/2010/main">
+        <mc:Choice Requires="a14">
           <p:sp>
             <p:nvSpPr>
               <p:cNvPr id="8" name="TextBox 7">
@@ -26428,7 +27017,7 @@
             </p:txBody>
           </p:sp>
         </mc:Choice>
-        <mc:Fallback>
+        <mc:Fallback xmlns="">
           <p:sp>
             <p:nvSpPr>
               <p:cNvPr id="8" name="TextBox 7">
@@ -26664,8 +27253,8 @@
           </a:p>
         </p:txBody>
       </p:sp>
-      <mc:AlternateContent xmlns:mc="http://schemas.openxmlformats.org/markup-compatibility/2006">
-        <mc:Choice xmlns:a14="http://schemas.microsoft.com/office/drawing/2010/main" Requires="a14">
+      <mc:AlternateContent xmlns:mc="http://schemas.openxmlformats.org/markup-compatibility/2006" xmlns:a14="http://schemas.microsoft.com/office/drawing/2010/main">
+        <mc:Choice Requires="a14">
           <p:sp>
             <p:nvSpPr>
               <p:cNvPr id="5" name="TextBox 4">
@@ -27118,7 +27707,7 @@
             </p:txBody>
           </p:sp>
         </mc:Choice>
-        <mc:Fallback>
+        <mc:Fallback xmlns="">
           <p:sp>
             <p:nvSpPr>
               <p:cNvPr id="5" name="TextBox 4">
@@ -27163,8 +27752,8 @@
           </p:sp>
         </mc:Fallback>
       </mc:AlternateContent>
-      <mc:AlternateContent xmlns:mc="http://schemas.openxmlformats.org/markup-compatibility/2006">
-        <mc:Choice xmlns:a14="http://schemas.microsoft.com/office/drawing/2010/main" Requires="a14">
+      <mc:AlternateContent xmlns:mc="http://schemas.openxmlformats.org/markup-compatibility/2006" xmlns:a14="http://schemas.microsoft.com/office/drawing/2010/main">
+        <mc:Choice Requires="a14">
           <p:sp>
             <p:nvSpPr>
               <p:cNvPr id="9" name="TextBox 8">
@@ -31499,7 +32088,7 @@
             </p:txBody>
           </p:sp>
         </mc:Choice>
-        <mc:Fallback>
+        <mc:Fallback xmlns="">
           <p:sp>
             <p:nvSpPr>
               <p:cNvPr id="9" name="TextBox 8">
@@ -31544,8 +32133,8 @@
           </p:sp>
         </mc:Fallback>
       </mc:AlternateContent>
-      <mc:AlternateContent xmlns:mc="http://schemas.openxmlformats.org/markup-compatibility/2006">
-        <mc:Choice xmlns:a14="http://schemas.microsoft.com/office/drawing/2010/main" Requires="a14">
+      <mc:AlternateContent xmlns:mc="http://schemas.openxmlformats.org/markup-compatibility/2006" xmlns:a14="http://schemas.microsoft.com/office/drawing/2010/main">
+        <mc:Choice Requires="a14">
           <p:sp>
             <p:nvSpPr>
               <p:cNvPr id="11" name="TextBox 10">
@@ -33060,7 +33649,7 @@
             </p:txBody>
           </p:sp>
         </mc:Choice>
-        <mc:Fallback>
+        <mc:Fallback xmlns="">
           <p:sp>
             <p:nvSpPr>
               <p:cNvPr id="11" name="TextBox 10">
